--- a/projects/client-presentation-3/client-pres-3.pptx
+++ b/projects/client-presentation-3/client-pres-3.pptx
@@ -107,6 +107,102 @@
       </a:defRPr>
     </a:lvl9pPr>
   </p:defaultTextStyle>
+  <p:extLst>
+    <p:ext uri="{EFAFB233-063F-42B5-8137-9DF3F51BA10A}">
+      <p15:sldGuideLst xmlns:p15="http://schemas.microsoft.com/office/powerpoint/2012/main">
+        <p15:guide id="1" orient="horz" pos="2160" userDrawn="1">
+          <p15:clr>
+            <a:srgbClr val="A4A3A4"/>
+          </p15:clr>
+        </p15:guide>
+        <p15:guide id="2" pos="2376" userDrawn="1">
+          <p15:clr>
+            <a:srgbClr val="A4A3A4"/>
+          </p15:clr>
+        </p15:guide>
+        <p15:guide id="3" pos="5280" userDrawn="1">
+          <p15:clr>
+            <a:srgbClr val="A4A3A4"/>
+          </p15:clr>
+        </p15:guide>
+        <p15:guide id="4" pos="72" userDrawn="1">
+          <p15:clr>
+            <a:srgbClr val="A4A3A4"/>
+          </p15:clr>
+        </p15:guide>
+        <p15:guide id="5" pos="7608" userDrawn="1">
+          <p15:clr>
+            <a:srgbClr val="A4A3A4"/>
+          </p15:clr>
+        </p15:guide>
+        <p15:guide id="6" orient="horz" pos="336" userDrawn="1">
+          <p15:clr>
+            <a:srgbClr val="A4A3A4"/>
+          </p15:clr>
+        </p15:guide>
+        <p15:guide id="7" orient="horz" pos="48" userDrawn="1">
+          <p15:clr>
+            <a:srgbClr val="A4A3A4"/>
+          </p15:clr>
+        </p15:guide>
+        <p15:guide id="8" orient="horz" pos="408" userDrawn="1">
+          <p15:clr>
+            <a:srgbClr val="A4A3A4"/>
+          </p15:clr>
+        </p15:guide>
+        <p15:guide id="9" orient="horz" pos="2136" userDrawn="1">
+          <p15:clr>
+            <a:srgbClr val="A4A3A4"/>
+          </p15:clr>
+        </p15:guide>
+        <p15:guide id="10" orient="horz" pos="2184" userDrawn="1">
+          <p15:clr>
+            <a:srgbClr val="A4A3A4"/>
+          </p15:clr>
+        </p15:guide>
+        <p15:guide id="11" orient="horz" pos="4272" userDrawn="1">
+          <p15:clr>
+            <a:srgbClr val="A4A3A4"/>
+          </p15:clr>
+        </p15:guide>
+        <p15:guide id="12" pos="2400" userDrawn="1">
+          <p15:clr>
+            <a:srgbClr val="A4A3A4"/>
+          </p15:clr>
+        </p15:guide>
+        <p15:guide id="13" pos="2352" userDrawn="1">
+          <p15:clr>
+            <a:srgbClr val="A4A3A4"/>
+          </p15:clr>
+        </p15:guide>
+        <p15:guide id="14" pos="5304" userDrawn="1">
+          <p15:clr>
+            <a:srgbClr val="A4A3A4"/>
+          </p15:clr>
+        </p15:guide>
+        <p15:guide id="15" pos="5256" userDrawn="1">
+          <p15:clr>
+            <a:srgbClr val="A4A3A4"/>
+          </p15:clr>
+        </p15:guide>
+        <p15:guide id="16" pos="1176" userDrawn="1">
+          <p15:clr>
+            <a:srgbClr val="A4A3A4"/>
+          </p15:clr>
+        </p15:guide>
+        <p15:guide id="17" pos="3816" userDrawn="1">
+          <p15:clr>
+            <a:srgbClr val="A4A3A4"/>
+          </p15:clr>
+        </p15:guide>
+        <p15:guide id="18" pos="6456" userDrawn="1">
+          <p15:clr>
+            <a:srgbClr val="A4A3A4"/>
+          </p15:clr>
+        </p15:guide>
+      </p15:sldGuideLst>
+    </p:ext>
+  </p:extLst>
 </p:presentation>
 </file>
 
@@ -192,7 +288,7 @@
           <a:p>
             <a:fld id="{C232A348-A83C-0543-BF09-774A7B3D05C7}" type="datetimeFigureOut">
               <a:rPr lang="en-US" smtClean="0"/>
-              <a:t>4/22/25</a:t>
+              <a:t>5/1/25</a:t>
             </a:fld>
             <a:endParaRPr lang="en-US"/>
           </a:p>
@@ -699,7 +795,7 @@
           <a:p>
             <a:fld id="{6444479B-705B-4489-957E-7E8A228BDFA0}" type="datetime1">
               <a:rPr lang="en-US" smtClean="0"/>
-              <a:t>4/22/25</a:t>
+              <a:t>5/1/25</a:t>
             </a:fld>
             <a:endParaRPr lang="en-US"/>
           </a:p>
@@ -899,7 +995,7 @@
           <a:p>
             <a:fld id="{C07B66AD-7C08-490A-ADA4-B47E10FB2407}" type="datetime1">
               <a:rPr lang="en-US" smtClean="0"/>
-              <a:t>4/22/25</a:t>
+              <a:t>5/1/25</a:t>
             </a:fld>
             <a:endParaRPr lang="en-US"/>
           </a:p>
@@ -1158,7 +1254,7 @@
           <a:p>
             <a:fld id="{05B95027-4255-49E7-9841-CD21BCC99996}" type="datetime1">
               <a:rPr lang="en-US" smtClean="0"/>
-              <a:t>4/22/25</a:t>
+              <a:t>5/1/25</a:t>
             </a:fld>
             <a:endParaRPr lang="en-US"/>
           </a:p>
@@ -1399,7 +1495,7 @@
           <a:p>
             <a:fld id="{9F89F774-3FA6-43B8-9241-99959C8FD463}" type="datetime1">
               <a:rPr lang="en-US" smtClean="0"/>
-              <a:t>4/22/25</a:t>
+              <a:t>5/1/25</a:t>
             </a:fld>
             <a:endParaRPr lang="en-US"/>
           </a:p>
@@ -1726,7 +1822,7 @@
           <a:p>
             <a:fld id="{F9504452-5DCC-4FE2-A5C9-8A5EF6714D65}" type="datetime1">
               <a:rPr lang="en-US" smtClean="0"/>
-              <a:t>4/22/25</a:t>
+              <a:t>5/1/25</a:t>
             </a:fld>
             <a:endParaRPr lang="en-US"/>
           </a:p>
@@ -2036,7 +2132,7 @@
           <a:p>
             <a:fld id="{E579ABC2-0180-4F3A-A895-A85BC724D472}" type="datetime1">
               <a:rPr lang="en-US" smtClean="0"/>
-              <a:t>4/22/25</a:t>
+              <a:t>5/1/25</a:t>
             </a:fld>
             <a:endParaRPr lang="en-US"/>
           </a:p>
@@ -2454,7 +2550,7 @@
           <a:p>
             <a:fld id="{6AEEA9BA-4E8F-439E-BEA4-91FBA01E3F5F}" type="datetime1">
               <a:rPr lang="en-US" smtClean="0"/>
-              <a:t>4/22/25</a:t>
+              <a:t>5/1/25</a:t>
             </a:fld>
             <a:endParaRPr lang="en-US"/>
           </a:p>
@@ -2596,7 +2692,7 @@
           <a:p>
             <a:fld id="{BE15BF18-0007-481C-AA29-413124BC3EE7}" type="datetime1">
               <a:rPr lang="en-US" smtClean="0"/>
-              <a:t>4/22/25</a:t>
+              <a:t>5/1/25</a:t>
             </a:fld>
             <a:endParaRPr lang="en-US"/>
           </a:p>
@@ -2758,7 +2854,7 @@
           <a:p>
             <a:fld id="{09BE9870-3748-43AD-B547-02A075CB4A1D}" type="datetime1">
               <a:rPr lang="en-US" smtClean="0"/>
-              <a:t>4/22/25</a:t>
+              <a:t>5/1/25</a:t>
             </a:fld>
             <a:endParaRPr lang="en-US"/>
           </a:p>
@@ -3075,7 +3171,7 @@
           <a:p>
             <a:fld id="{558E7897-33C5-4F1A-9307-D068E37F3DC7}" type="datetime1">
               <a:rPr lang="en-US" smtClean="0"/>
-              <a:t>4/22/25</a:t>
+              <a:t>5/1/25</a:t>
             </a:fld>
             <a:endParaRPr lang="en-US"/>
           </a:p>
@@ -3370,7 +3466,7 @@
           <a:p>
             <a:fld id="{82E171BA-CC09-47C8-A6DF-F5C5CB59CEEC}" type="datetime1">
               <a:rPr lang="en-US" smtClean="0"/>
-              <a:t>4/22/25</a:t>
+              <a:t>5/1/25</a:t>
             </a:fld>
             <a:endParaRPr lang="en-US"/>
           </a:p>
@@ -3611,7 +3707,7 @@
           <a:p>
             <a:fld id="{7DA38F49-B3E2-4BF0-BEC7-C30D34ABBB8D}" type="datetime1">
               <a:rPr lang="en-US" smtClean="0"/>
-              <a:t>4/22/25</a:t>
+              <a:t>5/1/25</a:t>
             </a:fld>
             <a:endParaRPr lang="en-US"/>
           </a:p>
@@ -4287,7 +4383,7 @@
         </p:blipFill>
         <p:spPr>
           <a:xfrm>
-            <a:off x="0" y="256365"/>
+            <a:off x="0" y="91112"/>
             <a:ext cx="12192000" cy="6857988"/>
           </a:xfrm>
           <a:prstGeom prst="rect">
@@ -4345,10 +4441,10 @@
       </p:cxnSp>
       <p:sp>
         <p:nvSpPr>
-          <p:cNvPr id="5" name="TextBox 4">
-            <a:extLst>
-              <a:ext uri="{FF2B5EF4-FFF2-40B4-BE49-F238E27FC236}">
-                <a16:creationId xmlns:a16="http://schemas.microsoft.com/office/drawing/2014/main" id="{92D06E05-E979-694F-92DA-C0505DAF17A1}"/>
+          <p:cNvPr id="2" name="TextBox 1">
+            <a:extLst>
+              <a:ext uri="{FF2B5EF4-FFF2-40B4-BE49-F238E27FC236}">
+                <a16:creationId xmlns:a16="http://schemas.microsoft.com/office/drawing/2014/main" id="{E43E6394-E646-604F-B7F6-D380FC845453}"/>
               </a:ext>
             </a:extLst>
           </p:cNvPr>
@@ -4357,109 +4453,21 @@
         </p:nvSpPr>
         <p:spPr>
           <a:xfrm>
-            <a:off x="0" y="0"/>
-            <a:ext cx="6442841" cy="584775"/>
+            <a:off x="114300" y="76200"/>
+            <a:ext cx="11977007" cy="461665"/>
           </a:xfrm>
           <a:prstGeom prst="rect">
             <a:avLst/>
           </a:prstGeom>
-          <a:noFill/>
-        </p:spPr>
-        <p:txBody>
-          <a:bodyPr wrap="square" rtlCol="0">
-            <a:spAutoFit/>
-          </a:bodyPr>
-          <a:lstStyle/>
-          <a:p>
-            <a:r>
-              <a:rPr lang="en-US" sz="3200" b="1" dirty="0"/>
-              <a:t>NBA Analytics :: Win Classification</a:t>
-            </a:r>
-          </a:p>
-        </p:txBody>
-      </p:sp>
-      <p:sp>
-        <p:nvSpPr>
-          <p:cNvPr id="6" name="TextBox 5">
-            <a:extLst>
-              <a:ext uri="{FF2B5EF4-FFF2-40B4-BE49-F238E27FC236}">
-                <a16:creationId xmlns:a16="http://schemas.microsoft.com/office/drawing/2014/main" id="{09E28EDE-27DB-234F-92D7-F06321326654}"/>
-              </a:ext>
-            </a:extLst>
-          </p:cNvPr>
-          <p:cNvSpPr txBox="1"/>
-          <p:nvPr/>
-        </p:nvSpPr>
-        <p:spPr>
-          <a:xfrm>
-            <a:off x="6442841" y="0"/>
-            <a:ext cx="5055476" cy="646331"/>
-          </a:xfrm>
-          <a:prstGeom prst="rect">
-            <a:avLst/>
-          </a:prstGeom>
-          <a:noFill/>
-        </p:spPr>
-        <p:txBody>
-          <a:bodyPr wrap="square" rtlCol="0">
-            <a:spAutoFit/>
-          </a:bodyPr>
-          <a:lstStyle/>
-          <a:p>
-            <a:r>
-              <a:rPr lang="en-US" dirty="0"/>
-              <a:t>Abhishek </a:t>
-            </a:r>
-            <a:r>
-              <a:rPr lang="en-US" dirty="0" err="1"/>
-              <a:t>Menothu</a:t>
-            </a:r>
-            <a:r>
-              <a:rPr lang="en-US" dirty="0"/>
-              <a:t>, </a:t>
-            </a:r>
-            <a:r>
-              <a:rPr lang="en-US" dirty="0" err="1"/>
-              <a:t>Jonathen</a:t>
-            </a:r>
-            <a:r>
-              <a:rPr lang="en-US" dirty="0"/>
-              <a:t> Wigfall, </a:t>
-            </a:r>
-          </a:p>
-          <a:p>
-            <a:r>
-              <a:rPr lang="en-US" dirty="0"/>
-              <a:t>Scott Campbell, Trevor Rowland</a:t>
-            </a:r>
-          </a:p>
-        </p:txBody>
-      </p:sp>
-      <p:cxnSp>
-        <p:nvCxnSpPr>
-          <p:cNvPr id="10" name="Straight Connector 9">
-            <a:extLst>
-              <a:ext uri="{FF2B5EF4-FFF2-40B4-BE49-F238E27FC236}">
-                <a16:creationId xmlns:a16="http://schemas.microsoft.com/office/drawing/2014/main" id="{3A85DA89-3C84-A54D-A5CB-B11231683EB3}"/>
-              </a:ext>
-            </a:extLst>
-          </p:cNvPr>
-          <p:cNvCxnSpPr>
-            <a:cxnSpLocks/>
-          </p:cNvCxnSpPr>
-          <p:nvPr/>
-        </p:nvCxnSpPr>
-        <p:spPr>
-          <a:xfrm>
-            <a:off x="126124" y="646331"/>
-            <a:ext cx="11887200" cy="0"/>
-          </a:xfrm>
-          <a:prstGeom prst="line">
-            <a:avLst/>
-          </a:prstGeom>
-          <a:ln w="28575">
+          <a:solidFill>
+            <a:schemeClr val="tx2"/>
+          </a:solidFill>
+          <a:ln>
             <a:solidFill>
-              <a:schemeClr val="accent1"/>
+              <a:schemeClr val="accent4">
+                <a:lumMod val="40000"/>
+                <a:lumOff val="60000"/>
+              </a:schemeClr>
             </a:solidFill>
           </a:ln>
           <a:effectLst>
@@ -4470,506 +4478,20 @@
             </a:outerShdw>
           </a:effectLst>
         </p:spPr>
-        <p:style>
-          <a:lnRef idx="1">
-            <a:schemeClr val="accent1"/>
-          </a:lnRef>
-          <a:fillRef idx="0">
-            <a:schemeClr val="accent1"/>
-          </a:fillRef>
-          <a:effectRef idx="0">
-            <a:schemeClr val="accent1"/>
-          </a:effectRef>
-          <a:fontRef idx="minor">
-            <a:schemeClr val="tx1"/>
-          </a:fontRef>
-        </p:style>
-      </p:cxnSp>
-      <p:sp>
-        <p:nvSpPr>
-          <p:cNvPr id="18" name="TextBox 17">
-            <a:extLst>
-              <a:ext uri="{FF2B5EF4-FFF2-40B4-BE49-F238E27FC236}">
-                <a16:creationId xmlns:a16="http://schemas.microsoft.com/office/drawing/2014/main" id="{3773BEDE-35B5-0E40-A804-F3DC76015124}"/>
-              </a:ext>
-            </a:extLst>
-          </p:cNvPr>
-          <p:cNvSpPr txBox="1"/>
-          <p:nvPr/>
-        </p:nvSpPr>
-        <p:spPr>
-          <a:xfrm>
-            <a:off x="126124" y="777766"/>
-            <a:ext cx="2427890" cy="1661993"/>
-          </a:xfrm>
-          <a:prstGeom prst="rect">
-            <a:avLst/>
-          </a:prstGeom>
-          <a:noFill/>
-          <a:ln>
-            <a:solidFill>
-              <a:schemeClr val="tx2"/>
-            </a:solidFill>
-          </a:ln>
-        </p:spPr>
         <p:txBody>
           <a:bodyPr wrap="square" rtlCol="0">
             <a:spAutoFit/>
           </a:bodyPr>
           <a:lstStyle/>
           <a:p>
-            <a:r>
-              <a:rPr lang="en-US" dirty="0"/>
-              <a:t>Executive Summary</a:t>
-            </a:r>
-          </a:p>
-          <a:p>
-            <a:r>
-              <a:rPr lang="en-US" sz="1200" dirty="0"/>
-              <a:t>Lorem ipsum dolor blah blah blah blah blah blah blah blah blah blah blah blah blah blah blah blah blah blah blah blah blah blah blah blah blah blah blah blah blah blah blah blah blah blah blah blah blah blah blah blah blah blah blah blah blah</a:t>
-            </a:r>
-          </a:p>
-        </p:txBody>
-      </p:sp>
-      <p:sp>
-        <p:nvSpPr>
-          <p:cNvPr id="21" name="TextBox 20">
-            <a:extLst>
-              <a:ext uri="{FF2B5EF4-FFF2-40B4-BE49-F238E27FC236}">
-                <a16:creationId xmlns:a16="http://schemas.microsoft.com/office/drawing/2014/main" id="{6E98F73B-A06E-534C-8870-7E651D72DB54}"/>
-              </a:ext>
-            </a:extLst>
-          </p:cNvPr>
-          <p:cNvSpPr txBox="1"/>
-          <p:nvPr/>
-        </p:nvSpPr>
-        <p:spPr>
-          <a:xfrm>
-            <a:off x="2647208" y="781065"/>
-            <a:ext cx="2427890" cy="1661993"/>
-          </a:xfrm>
-          <a:prstGeom prst="rect">
-            <a:avLst/>
-          </a:prstGeom>
-          <a:noFill/>
-          <a:ln>
-            <a:solidFill>
-              <a:schemeClr val="tx2"/>
-            </a:solidFill>
-          </a:ln>
-        </p:spPr>
-        <p:txBody>
-          <a:bodyPr wrap="square" rtlCol="0">
-            <a:spAutoFit/>
-          </a:bodyPr>
-          <a:lstStyle/>
-          <a:p>
-            <a:r>
-              <a:rPr lang="en-US" dirty="0"/>
-              <a:t>Business Context</a:t>
-            </a:r>
-          </a:p>
-          <a:p>
-            <a:r>
-              <a:rPr lang="en-US" sz="1200" dirty="0"/>
-              <a:t>Lorem ipsum dolor blah blah blah blah blah blah blah blah blah blah blah blah blah blah blah blah blah blah blah blah blah blah blah blah blah blah blah blah blah blah blah blah blah blah blah blah blah blah blah blah blah blah blah blah blah</a:t>
-            </a:r>
-          </a:p>
-        </p:txBody>
-      </p:sp>
-      <p:sp>
-        <p:nvSpPr>
-          <p:cNvPr id="22" name="TextBox 21">
-            <a:extLst>
-              <a:ext uri="{FF2B5EF4-FFF2-40B4-BE49-F238E27FC236}">
-                <a16:creationId xmlns:a16="http://schemas.microsoft.com/office/drawing/2014/main" id="{8591C685-F517-5C4B-AF9C-7348AF258938}"/>
-              </a:ext>
-            </a:extLst>
-          </p:cNvPr>
-          <p:cNvSpPr txBox="1"/>
-          <p:nvPr/>
-        </p:nvSpPr>
-        <p:spPr>
-          <a:xfrm>
-            <a:off x="5168292" y="777766"/>
-            <a:ext cx="6845032" cy="1661993"/>
-          </a:xfrm>
-          <a:prstGeom prst="rect">
-            <a:avLst/>
-          </a:prstGeom>
-          <a:noFill/>
-          <a:ln>
-            <a:solidFill>
-              <a:schemeClr val="tx2"/>
-            </a:solidFill>
-          </a:ln>
-        </p:spPr>
-        <p:txBody>
-          <a:bodyPr wrap="square" rtlCol="0">
-            <a:spAutoFit/>
-          </a:bodyPr>
-          <a:lstStyle/>
-          <a:p>
-            <a:r>
-              <a:rPr lang="en-US" dirty="0"/>
-              <a:t>Data Overview</a:t>
-            </a:r>
-          </a:p>
-          <a:p>
-            <a:r>
-              <a:rPr lang="en-US" sz="1200" dirty="0"/>
-              <a:t>Lorem ipsum dolor blah blah blah blah blah blah blah blah blah blah blah blah blah blah blah blah blah blah blah blah blah blah blah blah blah blah blah blah blah blah blah blah blah blah blah blah blah blah blah blah blah blah blah blah blah blah blah blah blah blah blah blah blah blah blah blah blah blah blah blah blah blah blah blah blah blah blah blah blah blah blah blah blah blah blah blah blah blah blah blah blah blah blah blah blah blah blah blah blah blah blah blah blah blah blah blah blah blah blah blah blah blah blah blah blah blah blah blah blah blah blah blah blah blah blah blah blah blah blah blah blah blah blah blah blah blah blah blah blah blah blah blah blah blah blah </a:t>
-            </a:r>
-          </a:p>
-        </p:txBody>
-      </p:sp>
-      <p:sp>
-        <p:nvSpPr>
-          <p:cNvPr id="23" name="TextBox 22">
-            <a:extLst>
-              <a:ext uri="{FF2B5EF4-FFF2-40B4-BE49-F238E27FC236}">
-                <a16:creationId xmlns:a16="http://schemas.microsoft.com/office/drawing/2014/main" id="{B17993A6-6C40-5344-854A-9BDFFFFD652E}"/>
-              </a:ext>
-            </a:extLst>
-          </p:cNvPr>
-          <p:cNvSpPr txBox="1"/>
-          <p:nvPr/>
-        </p:nvSpPr>
-        <p:spPr>
-          <a:xfrm>
-            <a:off x="126124" y="2522483"/>
-            <a:ext cx="4948974" cy="4247317"/>
-          </a:xfrm>
-          <a:prstGeom prst="rect">
-            <a:avLst/>
-          </a:prstGeom>
-          <a:noFill/>
-          <a:ln>
-            <a:solidFill>
-              <a:schemeClr val="tx2"/>
-            </a:solidFill>
-          </a:ln>
-        </p:spPr>
-        <p:txBody>
-          <a:bodyPr wrap="square" rtlCol="0">
-            <a:spAutoFit/>
-          </a:bodyPr>
-          <a:lstStyle/>
-          <a:p>
-            <a:r>
-              <a:rPr lang="en-US" dirty="0"/>
-              <a:t>Models and Methodology</a:t>
-            </a:r>
-          </a:p>
-          <a:p>
-            <a:r>
-              <a:rPr lang="en-US" sz="1200" dirty="0"/>
-              <a:t>Provide a Table of Models Used Here and their performance</a:t>
-            </a:r>
-          </a:p>
-          <a:p>
-            <a:r>
-              <a:rPr lang="en-US" sz="1200" dirty="0"/>
-              <a:t>Table of ROC, AUC and accuracy metrics</a:t>
-            </a:r>
-          </a:p>
-          <a:p>
-            <a:r>
-              <a:rPr lang="en-US" sz="1200" dirty="0"/>
-              <a:t>AUC Curve Plot</a:t>
-            </a:r>
-          </a:p>
-          <a:p>
-            <a:r>
-              <a:rPr lang="en-US" sz="1200" dirty="0"/>
-              <a:t>Feature Importance Plot of Best Model</a:t>
-            </a:r>
-          </a:p>
-          <a:p>
-            <a:r>
-              <a:rPr lang="en-US" sz="1200" dirty="0"/>
-              <a:t>A</a:t>
-            </a:r>
-          </a:p>
-          <a:p>
-            <a:r>
-              <a:rPr lang="en-US" sz="1200" dirty="0"/>
-              <a:t>A</a:t>
-            </a:r>
-          </a:p>
-          <a:p>
-            <a:r>
-              <a:rPr lang="en-US" sz="1200" dirty="0"/>
-              <a:t>A</a:t>
-            </a:r>
-          </a:p>
-          <a:p>
-            <a:r>
-              <a:rPr lang="en-US" sz="1200" dirty="0"/>
-              <a:t>A</a:t>
-            </a:r>
-          </a:p>
-          <a:p>
-            <a:r>
-              <a:rPr lang="en-US" sz="1200" dirty="0"/>
-              <a:t>A</a:t>
-            </a:r>
-          </a:p>
-          <a:p>
-            <a:r>
-              <a:rPr lang="en-US" sz="1200" dirty="0"/>
-              <a:t>A</a:t>
-            </a:r>
-          </a:p>
-          <a:p>
-            <a:r>
-              <a:rPr lang="en-US" sz="1200" dirty="0"/>
-              <a:t>A</a:t>
-            </a:r>
-          </a:p>
-          <a:p>
-            <a:r>
-              <a:rPr lang="en-US" sz="1200" dirty="0"/>
-              <a:t>A</a:t>
-            </a:r>
-          </a:p>
-          <a:p>
-            <a:r>
-              <a:rPr lang="en-US" sz="1200" dirty="0"/>
-              <a:t>A</a:t>
-            </a:r>
-          </a:p>
-          <a:p>
-            <a:r>
-              <a:rPr lang="en-US" sz="1200" dirty="0"/>
-              <a:t>A</a:t>
-            </a:r>
-          </a:p>
-          <a:p>
-            <a:r>
-              <a:rPr lang="en-US" sz="1200" dirty="0"/>
-              <a:t>A</a:t>
-            </a:r>
-          </a:p>
-          <a:p>
-            <a:r>
-              <a:rPr lang="en-US" sz="1200" dirty="0"/>
-              <a:t>A</a:t>
-            </a:r>
-          </a:p>
-          <a:p>
-            <a:r>
-              <a:rPr lang="en-US" sz="1200" dirty="0"/>
-              <a:t>A</a:t>
-            </a:r>
-          </a:p>
-          <a:p>
-            <a:r>
-              <a:rPr lang="en-US" sz="1200" dirty="0"/>
-              <a:t>A</a:t>
-            </a:r>
-          </a:p>
-          <a:p>
-            <a:r>
-              <a:rPr lang="en-US" sz="1200" dirty="0"/>
-              <a:t>A</a:t>
-            </a:r>
-          </a:p>
-          <a:p>
-            <a:r>
-              <a:rPr lang="en-US" sz="1200" dirty="0"/>
-              <a:t>A</a:t>
-            </a:r>
-          </a:p>
-          <a:p>
-            <a:r>
-              <a:rPr lang="en-US" sz="1200" dirty="0"/>
-              <a:t>a</a:t>
-            </a:r>
-          </a:p>
-        </p:txBody>
-      </p:sp>
-      <p:sp>
-        <p:nvSpPr>
-          <p:cNvPr id="24" name="TextBox 23">
-            <a:extLst>
-              <a:ext uri="{FF2B5EF4-FFF2-40B4-BE49-F238E27FC236}">
-                <a16:creationId xmlns:a16="http://schemas.microsoft.com/office/drawing/2014/main" id="{4EE7DB57-1046-A943-A101-98B8B81EE8B4}"/>
-              </a:ext>
-            </a:extLst>
-          </p:cNvPr>
-          <p:cNvSpPr txBox="1"/>
-          <p:nvPr/>
-        </p:nvSpPr>
-        <p:spPr>
-          <a:xfrm>
-            <a:off x="5168291" y="2522483"/>
-            <a:ext cx="6845031" cy="2400657"/>
-          </a:xfrm>
-          <a:prstGeom prst="rect">
-            <a:avLst/>
-          </a:prstGeom>
-          <a:noFill/>
-          <a:ln>
-            <a:solidFill>
-              <a:schemeClr val="tx2"/>
-            </a:solidFill>
-          </a:ln>
-        </p:spPr>
-        <p:txBody>
-          <a:bodyPr wrap="square" rtlCol="0">
-            <a:spAutoFit/>
-          </a:bodyPr>
-          <a:lstStyle/>
-          <a:p>
-            <a:r>
-              <a:rPr lang="en-US" dirty="0"/>
-              <a:t>Insights, Recommendations, and Limitations</a:t>
-            </a:r>
-          </a:p>
-          <a:p>
-            <a:r>
-              <a:rPr lang="en-US" sz="1200" dirty="0"/>
-              <a:t>Look at models and generate insights</a:t>
-            </a:r>
-          </a:p>
-          <a:p>
-            <a:endParaRPr lang="en-US" sz="1200" dirty="0"/>
-          </a:p>
-          <a:p>
-            <a:r>
-              <a:rPr lang="en-US" sz="1200" dirty="0"/>
-              <a:t>The models should tell us features to examine that allow us to predict wins better</a:t>
-            </a:r>
-          </a:p>
-          <a:p>
-            <a:r>
-              <a:rPr lang="en-US" sz="1200" dirty="0"/>
-              <a:t>(Maybe add feature importance?)</a:t>
-            </a:r>
-          </a:p>
-          <a:p>
-            <a:r>
-              <a:rPr lang="en-US" sz="1200" dirty="0"/>
-              <a:t>A</a:t>
-            </a:r>
-          </a:p>
-          <a:p>
-            <a:r>
-              <a:rPr lang="en-US" sz="1200" dirty="0"/>
-              <a:t>A</a:t>
-            </a:r>
-          </a:p>
-          <a:p>
-            <a:r>
-              <a:rPr lang="en-US" sz="1200" dirty="0"/>
-              <a:t>A</a:t>
-            </a:r>
-          </a:p>
-          <a:p>
-            <a:r>
-              <a:rPr lang="en-US" sz="1200" dirty="0"/>
-              <a:t>A</a:t>
-            </a:r>
-          </a:p>
-          <a:p>
-            <a:r>
-              <a:rPr lang="en-US" sz="1200" dirty="0"/>
-              <a:t>A</a:t>
-            </a:r>
-          </a:p>
-          <a:p>
-            <a:r>
-              <a:rPr lang="en-US" sz="1200" dirty="0"/>
-              <a:t>A</a:t>
-            </a:r>
-          </a:p>
-          <a:p>
-            <a:r>
-              <a:rPr lang="en-US" sz="1200" dirty="0"/>
-              <a:t>A</a:t>
-            </a:r>
-          </a:p>
-        </p:txBody>
-      </p:sp>
-      <p:sp>
-        <p:nvSpPr>
-          <p:cNvPr id="25" name="TextBox 24">
-            <a:extLst>
-              <a:ext uri="{FF2B5EF4-FFF2-40B4-BE49-F238E27FC236}">
-                <a16:creationId xmlns:a16="http://schemas.microsoft.com/office/drawing/2014/main" id="{F0582553-673F-CD44-A7D9-24D4B67F0098}"/>
-              </a:ext>
-            </a:extLst>
-          </p:cNvPr>
-          <p:cNvSpPr txBox="1"/>
-          <p:nvPr/>
-        </p:nvSpPr>
-        <p:spPr>
-          <a:xfrm>
-            <a:off x="5168290" y="5005864"/>
-            <a:ext cx="6845031" cy="1661993"/>
-          </a:xfrm>
-          <a:prstGeom prst="rect">
-            <a:avLst/>
-          </a:prstGeom>
-          <a:noFill/>
-          <a:ln>
-            <a:solidFill>
-              <a:schemeClr val="tx2"/>
-            </a:solidFill>
-          </a:ln>
-        </p:spPr>
-        <p:txBody>
-          <a:bodyPr wrap="square" rtlCol="0">
-            <a:spAutoFit/>
-          </a:bodyPr>
-          <a:lstStyle/>
-          <a:p>
-            <a:r>
-              <a:rPr lang="en-US" dirty="0"/>
-              <a:t>Conclusion</a:t>
-            </a:r>
-          </a:p>
-          <a:p>
-            <a:r>
-              <a:rPr lang="en-US" sz="1200" dirty="0"/>
-              <a:t>1-2 Sentence of Actionable recommendations</a:t>
-            </a:r>
-          </a:p>
-          <a:p>
-            <a:r>
-              <a:rPr lang="en-US" sz="1200" dirty="0"/>
-              <a:t>A</a:t>
-            </a:r>
-          </a:p>
-          <a:p>
-            <a:r>
-              <a:rPr lang="en-US" sz="1200" dirty="0"/>
-              <a:t>A</a:t>
-            </a:r>
-          </a:p>
-          <a:p>
-            <a:r>
-              <a:rPr lang="en-US" sz="1200" dirty="0"/>
-              <a:t>A</a:t>
-            </a:r>
-          </a:p>
-          <a:p>
-            <a:r>
-              <a:rPr lang="en-US" sz="1200" dirty="0"/>
-              <a:t>A</a:t>
-            </a:r>
-          </a:p>
-          <a:p>
-            <a:r>
-              <a:rPr lang="en-US" sz="1200" dirty="0"/>
-              <a:t>A</a:t>
-            </a:r>
-          </a:p>
-          <a:p>
-            <a:r>
-              <a:rPr lang="en-US" sz="1200" dirty="0"/>
-              <a:t>A</a:t>
+            <a:pPr algn="ctr"/>
+            <a:r>
+              <a:rPr lang="en-US" sz="2400" dirty="0">
+                <a:solidFill>
+                  <a:schemeClr val="bg1"/>
+                </a:solidFill>
+              </a:rPr>
+              <a:t>NBA Data :: Classification Models</a:t>
             </a:r>
           </a:p>
         </p:txBody>
